--- a/fuentes/contenidos/grado07/guion05/MapaConceptual_MA_07_05_CO_FINAL.pptx
+++ b/fuentes/contenidos/grado07/guion05/MapaConceptual_MA_07_05_CO_FINAL.pptx
@@ -8,7 +8,7 @@
     <p:sldId id="256" r:id="rId2"/>
   </p:sldIdLst>
   <p:sldSz cx="10799763" cy="6858000"/>
-  <p:notesSz cx="6794500" cy="9918700"/>
+  <p:notesSz cx="7315200" cy="12344400"/>
   <p:defaultTextStyle>
     <a:defPPr>
       <a:defRPr lang="es-ES"/>
@@ -106,7 +106,7 @@
   </p:defaultTextStyle>
   <p:extLst>
     <p:ext uri="{EFAFB233-063F-42B5-8137-9DF3F51BA10A}">
-      <p15:sldGuideLst xmlns:p15="http://schemas.microsoft.com/office/powerpoint/2012/main" xmlns="">
+      <p15:sldGuideLst xmlns:p15="http://schemas.microsoft.com/office/powerpoint/2012/main">
         <p15:guide id="1" orient="horz" pos="2160" userDrawn="1">
           <p15:clr>
             <a:srgbClr val="A4A3A4"/>
@@ -255,7 +255,7 @@
             <a:fld id="{C764DE79-268F-4C1A-8933-263129D2AF90}" type="datetimeFigureOut">
               <a:rPr lang="en-US" smtClean="0"/>
               <a:pPr/>
-              <a:t>1/25/2016</a:t>
+              <a:t>2/4/2016</a:t>
             </a:fld>
             <a:endParaRPr lang="en-US" dirty="0"/>
           </a:p>
@@ -307,7 +307,7 @@
     </p:spTree>
     <p:extLst>
       <p:ext uri="{BB962C8B-B14F-4D97-AF65-F5344CB8AC3E}">
-        <p14:creationId xmlns:p14="http://schemas.microsoft.com/office/powerpoint/2010/main" xmlns="" val="445872116"/>
+        <p14:creationId xmlns:p14="http://schemas.microsoft.com/office/powerpoint/2010/main" val="445872116"/>
       </p:ext>
     </p:extLst>
   </p:cSld>
@@ -427,7 +427,7 @@
             <a:fld id="{C764DE79-268F-4C1A-8933-263129D2AF90}" type="datetimeFigureOut">
               <a:rPr lang="en-US" smtClean="0"/>
               <a:pPr/>
-              <a:t>1/25/2016</a:t>
+              <a:t>2/4/2016</a:t>
             </a:fld>
             <a:endParaRPr lang="en-US" dirty="0"/>
           </a:p>
@@ -479,7 +479,7 @@
     </p:spTree>
     <p:extLst>
       <p:ext uri="{BB962C8B-B14F-4D97-AF65-F5344CB8AC3E}">
-        <p14:creationId xmlns:p14="http://schemas.microsoft.com/office/powerpoint/2010/main" xmlns="" val="4091502000"/>
+        <p14:creationId xmlns:p14="http://schemas.microsoft.com/office/powerpoint/2010/main" val="4091502000"/>
       </p:ext>
     </p:extLst>
   </p:cSld>
@@ -609,7 +609,7 @@
             <a:fld id="{C764DE79-268F-4C1A-8933-263129D2AF90}" type="datetimeFigureOut">
               <a:rPr lang="en-US" smtClean="0"/>
               <a:pPr/>
-              <a:t>1/25/2016</a:t>
+              <a:t>2/4/2016</a:t>
             </a:fld>
             <a:endParaRPr lang="en-US" dirty="0"/>
           </a:p>
@@ -661,7 +661,7 @@
     </p:spTree>
     <p:extLst>
       <p:ext uri="{BB962C8B-B14F-4D97-AF65-F5344CB8AC3E}">
-        <p14:creationId xmlns:p14="http://schemas.microsoft.com/office/powerpoint/2010/main" xmlns="" val="517467609"/>
+        <p14:creationId xmlns:p14="http://schemas.microsoft.com/office/powerpoint/2010/main" val="517467609"/>
       </p:ext>
     </p:extLst>
   </p:cSld>
@@ -781,7 +781,7 @@
             <a:fld id="{C764DE79-268F-4C1A-8933-263129D2AF90}" type="datetimeFigureOut">
               <a:rPr lang="en-US" smtClean="0"/>
               <a:pPr/>
-              <a:t>1/25/2016</a:t>
+              <a:t>2/4/2016</a:t>
             </a:fld>
             <a:endParaRPr lang="en-US" dirty="0"/>
           </a:p>
@@ -833,7 +833,7 @@
     </p:spTree>
     <p:extLst>
       <p:ext uri="{BB962C8B-B14F-4D97-AF65-F5344CB8AC3E}">
-        <p14:creationId xmlns:p14="http://schemas.microsoft.com/office/powerpoint/2010/main" xmlns="" val="2896308723"/>
+        <p14:creationId xmlns:p14="http://schemas.microsoft.com/office/powerpoint/2010/main" val="2896308723"/>
       </p:ext>
     </p:extLst>
   </p:cSld>
@@ -1029,7 +1029,7 @@
             <a:fld id="{C764DE79-268F-4C1A-8933-263129D2AF90}" type="datetimeFigureOut">
               <a:rPr lang="en-US" smtClean="0"/>
               <a:pPr/>
-              <a:t>1/25/2016</a:t>
+              <a:t>2/4/2016</a:t>
             </a:fld>
             <a:endParaRPr lang="en-US" dirty="0"/>
           </a:p>
@@ -1081,7 +1081,7 @@
     </p:spTree>
     <p:extLst>
       <p:ext uri="{BB962C8B-B14F-4D97-AF65-F5344CB8AC3E}">
-        <p14:creationId xmlns:p14="http://schemas.microsoft.com/office/powerpoint/2010/main" xmlns="" val="3256454166"/>
+        <p14:creationId xmlns:p14="http://schemas.microsoft.com/office/powerpoint/2010/main" val="3256454166"/>
       </p:ext>
     </p:extLst>
   </p:cSld>
@@ -1263,7 +1263,7 @@
             <a:fld id="{C764DE79-268F-4C1A-8933-263129D2AF90}" type="datetimeFigureOut">
               <a:rPr lang="en-US" smtClean="0"/>
               <a:pPr/>
-              <a:t>1/25/2016</a:t>
+              <a:t>2/4/2016</a:t>
             </a:fld>
             <a:endParaRPr lang="en-US" dirty="0"/>
           </a:p>
@@ -1315,7 +1315,7 @@
     </p:spTree>
     <p:extLst>
       <p:ext uri="{BB962C8B-B14F-4D97-AF65-F5344CB8AC3E}">
-        <p14:creationId xmlns:p14="http://schemas.microsoft.com/office/powerpoint/2010/main" xmlns="" val="4024312719"/>
+        <p14:creationId xmlns:p14="http://schemas.microsoft.com/office/powerpoint/2010/main" val="4024312719"/>
       </p:ext>
     </p:extLst>
   </p:cSld>
@@ -1632,7 +1632,7 @@
             <a:fld id="{C764DE79-268F-4C1A-8933-263129D2AF90}" type="datetimeFigureOut">
               <a:rPr lang="en-US" smtClean="0"/>
               <a:pPr/>
-              <a:t>1/25/2016</a:t>
+              <a:t>2/4/2016</a:t>
             </a:fld>
             <a:endParaRPr lang="en-US" dirty="0"/>
           </a:p>
@@ -1684,7 +1684,7 @@
     </p:spTree>
     <p:extLst>
       <p:ext uri="{BB962C8B-B14F-4D97-AF65-F5344CB8AC3E}">
-        <p14:creationId xmlns:p14="http://schemas.microsoft.com/office/powerpoint/2010/main" xmlns="" val="3731013853"/>
+        <p14:creationId xmlns:p14="http://schemas.microsoft.com/office/powerpoint/2010/main" val="3731013853"/>
       </p:ext>
     </p:extLst>
   </p:cSld>
@@ -1752,7 +1752,7 @@
             <a:fld id="{C764DE79-268F-4C1A-8933-263129D2AF90}" type="datetimeFigureOut">
               <a:rPr lang="en-US" smtClean="0"/>
               <a:pPr/>
-              <a:t>1/25/2016</a:t>
+              <a:t>2/4/2016</a:t>
             </a:fld>
             <a:endParaRPr lang="en-US" dirty="0"/>
           </a:p>
@@ -1804,7 +1804,7 @@
     </p:spTree>
     <p:extLst>
       <p:ext uri="{BB962C8B-B14F-4D97-AF65-F5344CB8AC3E}">
-        <p14:creationId xmlns:p14="http://schemas.microsoft.com/office/powerpoint/2010/main" xmlns="" val="3654567085"/>
+        <p14:creationId xmlns:p14="http://schemas.microsoft.com/office/powerpoint/2010/main" val="3654567085"/>
       </p:ext>
     </p:extLst>
   </p:cSld>
@@ -1849,7 +1849,7 @@
             <a:fld id="{C764DE79-268F-4C1A-8933-263129D2AF90}" type="datetimeFigureOut">
               <a:rPr lang="en-US" smtClean="0"/>
               <a:pPr/>
-              <a:t>1/25/2016</a:t>
+              <a:t>2/4/2016</a:t>
             </a:fld>
             <a:endParaRPr lang="en-US" dirty="0"/>
           </a:p>
@@ -1901,7 +1901,7 @@
     </p:spTree>
     <p:extLst>
       <p:ext uri="{BB962C8B-B14F-4D97-AF65-F5344CB8AC3E}">
-        <p14:creationId xmlns:p14="http://schemas.microsoft.com/office/powerpoint/2010/main" xmlns="" val="1728112942"/>
+        <p14:creationId xmlns:p14="http://schemas.microsoft.com/office/powerpoint/2010/main" val="1728112942"/>
       </p:ext>
     </p:extLst>
   </p:cSld>
@@ -2128,7 +2128,7 @@
             <a:fld id="{C764DE79-268F-4C1A-8933-263129D2AF90}" type="datetimeFigureOut">
               <a:rPr lang="en-US" smtClean="0"/>
               <a:pPr/>
-              <a:t>1/25/2016</a:t>
+              <a:t>2/4/2016</a:t>
             </a:fld>
             <a:endParaRPr lang="en-US" dirty="0"/>
           </a:p>
@@ -2180,7 +2180,7 @@
     </p:spTree>
     <p:extLst>
       <p:ext uri="{BB962C8B-B14F-4D97-AF65-F5344CB8AC3E}">
-        <p14:creationId xmlns:p14="http://schemas.microsoft.com/office/powerpoint/2010/main" xmlns="" val="4275468603"/>
+        <p14:creationId xmlns:p14="http://schemas.microsoft.com/office/powerpoint/2010/main" val="4275468603"/>
       </p:ext>
     </p:extLst>
   </p:cSld>
@@ -2387,7 +2387,7 @@
             <a:fld id="{C764DE79-268F-4C1A-8933-263129D2AF90}" type="datetimeFigureOut">
               <a:rPr lang="en-US" smtClean="0"/>
               <a:pPr/>
-              <a:t>1/25/2016</a:t>
+              <a:t>2/4/2016</a:t>
             </a:fld>
             <a:endParaRPr lang="en-US" dirty="0"/>
           </a:p>
@@ -2439,7 +2439,7 @@
     </p:spTree>
     <p:extLst>
       <p:ext uri="{BB962C8B-B14F-4D97-AF65-F5344CB8AC3E}">
-        <p14:creationId xmlns:p14="http://schemas.microsoft.com/office/powerpoint/2010/main" xmlns="" val="2907359329"/>
+        <p14:creationId xmlns:p14="http://schemas.microsoft.com/office/powerpoint/2010/main" val="2907359329"/>
       </p:ext>
     </p:extLst>
   </p:cSld>
@@ -2602,7 +2602,7 @@
             <a:fld id="{C764DE79-268F-4C1A-8933-263129D2AF90}" type="datetimeFigureOut">
               <a:rPr lang="en-US" smtClean="0"/>
               <a:pPr/>
-              <a:t>1/25/2016</a:t>
+              <a:t>2/4/2016</a:t>
             </a:fld>
             <a:endParaRPr lang="en-US" dirty="0"/>
           </a:p>
@@ -2729,7 +2729,7 @@
           <a:blip r:embed="rId13" cstate="print">
             <a:extLst>
               <a:ext uri="{28A0092B-C50C-407E-A947-70E740481C1C}">
-                <a14:useLocalDpi xmlns:a14="http://schemas.microsoft.com/office/drawing/2010/main" xmlns="" val="0"/>
+                <a14:useLocalDpi xmlns:a14="http://schemas.microsoft.com/office/drawing/2010/main" val="0"/>
               </a:ext>
             </a:extLst>
           </a:blip>
@@ -2750,7 +2750,7 @@
     </p:spTree>
     <p:extLst>
       <p:ext uri="{BB962C8B-B14F-4D97-AF65-F5344CB8AC3E}">
-        <p14:creationId xmlns:p14="http://schemas.microsoft.com/office/powerpoint/2010/main" xmlns="" val="41914527"/>
+        <p14:creationId xmlns:p14="http://schemas.microsoft.com/office/powerpoint/2010/main" val="41914527"/>
       </p:ext>
     </p:extLst>
   </p:cSld>
@@ -3186,8 +3186,8 @@
         </p:nvCxnSpPr>
         <p:spPr>
           <a:xfrm rot="5400000">
-            <a:off x="3706414" y="-859702"/>
-            <a:ext cx="488318" cy="3891553"/>
+            <a:off x="3746038" y="-899326"/>
+            <a:ext cx="409070" cy="3891553"/>
           </a:xfrm>
           <a:prstGeom prst="bentConnector3">
             <a:avLst/>
@@ -3221,7 +3221,7 @@
         </p:nvSpPr>
         <p:spPr>
           <a:xfrm>
-            <a:off x="1443580" y="2311575"/>
+            <a:off x="1443580" y="2265855"/>
             <a:ext cx="1122431" cy="230832"/>
           </a:xfrm>
           <a:prstGeom prst="rect">
@@ -3259,8 +3259,8 @@
         </p:nvCxnSpPr>
         <p:spPr>
           <a:xfrm rot="16200000" flipH="1">
-            <a:off x="1882505" y="2189283"/>
-            <a:ext cx="244581" cy="1"/>
+            <a:off x="1905365" y="2166423"/>
+            <a:ext cx="198861" cy="1"/>
           </a:xfrm>
           <a:prstGeom prst="bentConnector3">
             <a:avLst>
@@ -3359,8 +3359,8 @@
         </p:nvCxnSpPr>
         <p:spPr>
           <a:xfrm rot="5400000">
-            <a:off x="1415379" y="2165324"/>
-            <a:ext cx="212334" cy="966501"/>
+            <a:off x="1392519" y="2142464"/>
+            <a:ext cx="258054" cy="966501"/>
           </a:xfrm>
           <a:prstGeom prst="bentConnector3">
             <a:avLst>
@@ -3396,8 +3396,8 @@
         </p:nvSpPr>
         <p:spPr>
           <a:xfrm>
-            <a:off x="2059245" y="3751930"/>
-            <a:ext cx="668377" cy="472312"/>
+            <a:off x="2059245" y="3751929"/>
+            <a:ext cx="668377" cy="616237"/>
           </a:xfrm>
           <a:prstGeom prst="rect">
             <a:avLst/>
@@ -3467,12 +3467,12 @@
         </p:nvCxnSpPr>
         <p:spPr>
           <a:xfrm rot="5400000">
-            <a:off x="2371685" y="3133963"/>
-            <a:ext cx="639716" cy="596218"/>
+            <a:off x="2371686" y="3133962"/>
+            <a:ext cx="639715" cy="596218"/>
           </a:xfrm>
           <a:prstGeom prst="bentConnector3">
             <a:avLst>
-              <a:gd name="adj1" fmla="val 50000"/>
+              <a:gd name="adj1" fmla="val 78588"/>
             </a:avLst>
           </a:prstGeom>
           <a:ln w="12700">
@@ -3538,8 +3538,8 @@
         </p:nvCxnSpPr>
         <p:spPr>
           <a:xfrm rot="16200000" flipV="1">
-            <a:off x="2391057" y="2156146"/>
-            <a:ext cx="212334" cy="984856"/>
+            <a:off x="2368197" y="2133286"/>
+            <a:ext cx="258054" cy="984856"/>
           </a:xfrm>
           <a:prstGeom prst="bentConnector3">
             <a:avLst/>
@@ -3576,12 +3576,12 @@
         </p:nvCxnSpPr>
         <p:spPr>
           <a:xfrm rot="5400000" flipH="1" flipV="1">
-            <a:off x="5188342" y="634926"/>
-            <a:ext cx="501018" cy="914996"/>
+            <a:off x="5227966" y="595302"/>
+            <a:ext cx="421770" cy="914996"/>
           </a:xfrm>
           <a:prstGeom prst="bentConnector3">
             <a:avLst>
-              <a:gd name="adj1" fmla="val 50000"/>
+              <a:gd name="adj1" fmla="val 51204"/>
             </a:avLst>
           </a:prstGeom>
           <a:ln w="12700">
@@ -3615,9 +3615,9 @@
           <p:nvPr/>
         </p:nvCxnSpPr>
         <p:spPr>
-          <a:xfrm rot="5400000" flipH="1" flipV="1">
-            <a:off x="4937691" y="1617427"/>
-            <a:ext cx="87324" cy="12700"/>
+          <a:xfrm rot="16200000" flipV="1">
+            <a:off x="4912655" y="1563215"/>
+            <a:ext cx="138856" cy="1459"/>
           </a:xfrm>
           <a:prstGeom prst="bentConnector3">
             <a:avLst>
@@ -3653,7 +3653,7 @@
         </p:nvSpPr>
         <p:spPr>
           <a:xfrm>
-            <a:off x="1443580" y="1330233"/>
+            <a:off x="1443580" y="1250985"/>
             <a:ext cx="1122431" cy="230832"/>
           </a:xfrm>
           <a:prstGeom prst="rect">
@@ -3687,8 +3687,8 @@
         </p:nvCxnSpPr>
         <p:spPr>
           <a:xfrm rot="5400000">
-            <a:off x="1971723" y="1594138"/>
-            <a:ext cx="66147" cy="1"/>
+            <a:off x="1932099" y="1554514"/>
+            <a:ext cx="145395" cy="1"/>
           </a:xfrm>
           <a:prstGeom prst="bentConnector3">
             <a:avLst>
@@ -3724,8 +3724,8 @@
         </p:nvSpPr>
         <p:spPr>
           <a:xfrm>
-            <a:off x="8957728" y="1667897"/>
-            <a:ext cx="1571752" cy="358413"/>
+            <a:off x="8957728" y="1633563"/>
+            <a:ext cx="1571752" cy="439780"/>
           </a:xfrm>
           <a:prstGeom prst="rect">
             <a:avLst/>
@@ -3784,8 +3784,8 @@
         </p:nvCxnSpPr>
         <p:spPr>
           <a:xfrm rot="16200000" flipH="1">
-            <a:off x="7569468" y="-831204"/>
-            <a:ext cx="501018" cy="3847256"/>
+            <a:off x="7609092" y="-870828"/>
+            <a:ext cx="421770" cy="3847256"/>
           </a:xfrm>
           <a:prstGeom prst="bentConnector3">
             <a:avLst/>
@@ -3819,7 +3819,7 @@
         </p:nvSpPr>
         <p:spPr>
           <a:xfrm>
-            <a:off x="9182389" y="2289598"/>
+            <a:off x="9182389" y="2297218"/>
             <a:ext cx="1122431" cy="230832"/>
           </a:xfrm>
           <a:prstGeom prst="rect">
@@ -3853,8 +3853,8 @@
         </p:nvCxnSpPr>
         <p:spPr>
           <a:xfrm rot="16200000" flipH="1">
-            <a:off x="9611960" y="2157953"/>
-            <a:ext cx="263288" cy="1"/>
+            <a:off x="9631667" y="2185279"/>
+            <a:ext cx="223875" cy="1"/>
           </a:xfrm>
           <a:prstGeom prst="bentConnector3">
             <a:avLst>
@@ -3891,7 +3891,7 @@
         <p:spPr>
           <a:xfrm>
             <a:off x="4147396" y="3751930"/>
-            <a:ext cx="778141" cy="343441"/>
+            <a:ext cx="778141" cy="616237"/>
           </a:xfrm>
           <a:prstGeom prst="rect">
             <a:avLst/>
@@ -3950,7 +3950,7 @@
         </p:nvSpPr>
         <p:spPr>
           <a:xfrm>
-            <a:off x="4133686" y="4632319"/>
+            <a:off x="4131146" y="4897749"/>
             <a:ext cx="805560" cy="353519"/>
           </a:xfrm>
           <a:prstGeom prst="rect">
@@ -4008,8 +4008,8 @@
         </p:nvSpPr>
         <p:spPr>
           <a:xfrm>
-            <a:off x="3977879" y="4277512"/>
-            <a:ext cx="1117174" cy="230832"/>
+            <a:off x="4147395" y="4475359"/>
+            <a:ext cx="778141" cy="230832"/>
           </a:xfrm>
           <a:prstGeom prst="rect">
             <a:avLst/>
@@ -4082,8 +4082,8 @@
         </p:nvCxnSpPr>
         <p:spPr>
           <a:xfrm rot="5400000">
-            <a:off x="4445397" y="4186441"/>
-            <a:ext cx="182141" cy="1"/>
+            <a:off x="4482871" y="4421763"/>
+            <a:ext cx="107192" cy="1"/>
           </a:xfrm>
           <a:prstGeom prst="bentConnector3">
             <a:avLst>
@@ -4122,8 +4122,8 @@
         </p:nvCxnSpPr>
         <p:spPr>
           <a:xfrm rot="5400000">
-            <a:off x="4474479" y="4570331"/>
-            <a:ext cx="123975" cy="12700"/>
+            <a:off x="4439417" y="4800700"/>
+            <a:ext cx="191558" cy="2540"/>
           </a:xfrm>
           <a:prstGeom prst="bentConnector3">
             <a:avLst>
@@ -4162,8 +4162,8 @@
         </p:nvCxnSpPr>
         <p:spPr>
           <a:xfrm rot="16200000" flipH="1">
-            <a:off x="5042844" y="3404811"/>
-            <a:ext cx="285627" cy="408610"/>
+            <a:off x="5022313" y="3425342"/>
+            <a:ext cx="285626" cy="367548"/>
           </a:xfrm>
           <a:prstGeom prst="bentConnector3">
             <a:avLst>
@@ -4199,7 +4199,7 @@
         </p:nvSpPr>
         <p:spPr>
           <a:xfrm>
-            <a:off x="9182389" y="1342933"/>
+            <a:off x="9182389" y="1263685"/>
             <a:ext cx="1122431" cy="230832"/>
           </a:xfrm>
           <a:prstGeom prst="rect">
@@ -4237,8 +4237,8 @@
         </p:nvCxnSpPr>
         <p:spPr>
           <a:xfrm rot="5400000">
-            <a:off x="9696539" y="1620831"/>
-            <a:ext cx="94132" cy="1"/>
+            <a:off x="9674082" y="1564040"/>
+            <a:ext cx="139046" cy="1"/>
           </a:xfrm>
           <a:prstGeom prst="bentConnector3">
             <a:avLst>
@@ -4274,8 +4274,8 @@
         </p:nvSpPr>
         <p:spPr>
           <a:xfrm>
-            <a:off x="9340128" y="2754741"/>
-            <a:ext cx="806953" cy="357473"/>
+            <a:off x="9343938" y="2747464"/>
+            <a:ext cx="806953" cy="358840"/>
           </a:xfrm>
           <a:prstGeom prst="rect">
             <a:avLst/>
@@ -4352,9 +4352,9 @@
           <p:nvPr/>
         </p:nvCxnSpPr>
         <p:spPr>
-          <a:xfrm rot="5400000">
-            <a:off x="9626450" y="2637585"/>
-            <a:ext cx="234311" cy="12700"/>
+          <a:xfrm rot="16200000" flipH="1">
+            <a:off x="9635803" y="2635852"/>
+            <a:ext cx="219414" cy="3810"/>
           </a:xfrm>
           <a:prstGeom prst="bentConnector3">
             <a:avLst>
@@ -4428,12 +4428,12 @@
         </p:nvCxnSpPr>
         <p:spPr>
           <a:xfrm rot="5400000">
-            <a:off x="9683897" y="3171922"/>
-            <a:ext cx="119417" cy="1"/>
+            <a:off x="9682847" y="3167062"/>
+            <a:ext cx="125327" cy="3811"/>
           </a:xfrm>
           <a:prstGeom prst="bentConnector3">
             <a:avLst>
-              <a:gd name="adj1" fmla="val 50000"/>
+              <a:gd name="adj1" fmla="val 1360"/>
             </a:avLst>
           </a:prstGeom>
           <a:ln w="12700">
@@ -4465,8 +4465,8 @@
         </p:nvSpPr>
         <p:spPr>
           <a:xfrm>
-            <a:off x="8983717" y="3751930"/>
-            <a:ext cx="632897" cy="343441"/>
+            <a:off x="8957729" y="3751930"/>
+            <a:ext cx="772048" cy="624299"/>
           </a:xfrm>
           <a:prstGeom prst="rect">
             <a:avLst/>
@@ -4536,8 +4536,8 @@
         </p:nvCxnSpPr>
         <p:spPr>
           <a:xfrm rot="5400000">
-            <a:off x="9377154" y="3385479"/>
-            <a:ext cx="289463" cy="443438"/>
+            <a:off x="9398948" y="3407273"/>
+            <a:ext cx="289463" cy="399851"/>
           </a:xfrm>
           <a:prstGeom prst="bentConnector3">
             <a:avLst>
@@ -4576,8 +4576,8 @@
         </p:nvCxnSpPr>
         <p:spPr>
           <a:xfrm rot="16200000" flipH="1">
-            <a:off x="9793333" y="3412738"/>
-            <a:ext cx="289463" cy="388920"/>
+            <a:off x="9804262" y="3401809"/>
+            <a:ext cx="289463" cy="410778"/>
           </a:xfrm>
           <a:prstGeom prst="bentConnector3">
             <a:avLst>
@@ -4616,8 +4616,8 @@
         </p:nvCxnSpPr>
         <p:spPr>
           <a:xfrm rot="5400000" flipH="1" flipV="1">
-            <a:off x="9655237" y="4387036"/>
-            <a:ext cx="191322" cy="432588"/>
+            <a:off x="9652600" y="4391620"/>
+            <a:ext cx="190932" cy="808627"/>
           </a:xfrm>
           <a:prstGeom prst="bentConnector3">
             <a:avLst/>
@@ -4651,8 +4651,8 @@
         </p:nvSpPr>
         <p:spPr>
           <a:xfrm>
-            <a:off x="9192040" y="4698991"/>
-            <a:ext cx="685128" cy="353519"/>
+            <a:off x="8957728" y="4891399"/>
+            <a:ext cx="772049" cy="353519"/>
           </a:xfrm>
           <a:prstGeom prst="rect">
             <a:avLst/>
@@ -4718,7 +4718,7 @@
         <p:spPr>
           <a:xfrm>
             <a:off x="9779284" y="3751930"/>
-            <a:ext cx="706480" cy="343441"/>
+            <a:ext cx="750196" cy="624299"/>
           </a:xfrm>
           <a:prstGeom prst="rect">
             <a:avLst/>
@@ -4785,8 +4785,8 @@
         </p:nvSpPr>
         <p:spPr>
           <a:xfrm>
-            <a:off x="9960239" y="4698991"/>
-            <a:ext cx="698265" cy="353519"/>
+            <a:off x="9779285" y="4891399"/>
+            <a:ext cx="750196" cy="353519"/>
           </a:xfrm>
           <a:prstGeom prst="rect">
             <a:avLst/>
@@ -4851,8 +4851,8 @@
         </p:nvSpPr>
         <p:spPr>
           <a:xfrm>
-            <a:off x="9408605" y="4276837"/>
-            <a:ext cx="1117174" cy="230832"/>
+            <a:off x="9591040" y="4469635"/>
+            <a:ext cx="1122680" cy="230832"/>
           </a:xfrm>
           <a:prstGeom prst="rect">
             <a:avLst/>
@@ -4889,8 +4889,8 @@
         </p:nvCxnSpPr>
         <p:spPr>
           <a:xfrm rot="5400000">
-            <a:off x="9959125" y="4103438"/>
-            <a:ext cx="181466" cy="165332"/>
+            <a:off x="10106678" y="4421931"/>
+            <a:ext cx="93406" cy="2002"/>
           </a:xfrm>
           <a:prstGeom prst="bentConnector3">
             <a:avLst>
@@ -4929,8 +4929,8 @@
         </p:nvCxnSpPr>
         <p:spPr>
           <a:xfrm rot="16200000" flipH="1">
-            <a:off x="10042621" y="4432240"/>
-            <a:ext cx="191322" cy="342180"/>
+            <a:off x="10057915" y="4794931"/>
+            <a:ext cx="190932" cy="2003"/>
           </a:xfrm>
           <a:prstGeom prst="bentConnector3">
             <a:avLst>
@@ -4966,7 +4966,7 @@
         </p:nvSpPr>
         <p:spPr>
           <a:xfrm>
-            <a:off x="4230084" y="1342933"/>
+            <a:off x="4230084" y="1263685"/>
             <a:ext cx="1502537" cy="230832"/>
           </a:xfrm>
           <a:prstGeom prst="rect">
@@ -5070,7 +5070,7 @@
         <p:spPr>
           <a:xfrm>
             <a:off x="4487407" y="2747463"/>
-            <a:ext cx="987891" cy="372029"/>
+            <a:ext cx="987891" cy="364033"/>
           </a:xfrm>
           <a:prstGeom prst="rect">
             <a:avLst/>
@@ -5140,8 +5140,8 @@
         </p:nvCxnSpPr>
         <p:spPr>
           <a:xfrm rot="5400000">
-            <a:off x="4923364" y="3177481"/>
-            <a:ext cx="115979" cy="1"/>
+            <a:off x="4919366" y="3173483"/>
+            <a:ext cx="123975" cy="1"/>
           </a:xfrm>
           <a:prstGeom prst="bentConnector3">
             <a:avLst>
@@ -5177,8 +5177,8 @@
         </p:nvSpPr>
         <p:spPr>
           <a:xfrm>
-            <a:off x="5112985" y="3751930"/>
-            <a:ext cx="553954" cy="343442"/>
+            <a:off x="5030860" y="3751929"/>
+            <a:ext cx="636079" cy="616239"/>
           </a:xfrm>
           <a:prstGeom prst="rect">
             <a:avLst/>
@@ -5246,7 +5246,7 @@
         <p:spPr>
           <a:xfrm>
             <a:off x="312553" y="3751930"/>
-            <a:ext cx="682449" cy="343442"/>
+            <a:ext cx="682449" cy="616236"/>
           </a:xfrm>
           <a:prstGeom prst="rect">
             <a:avLst/>
@@ -5313,7 +5313,7 @@
           </a:xfrm>
           <a:prstGeom prst="bentConnector3">
             <a:avLst>
-              <a:gd name="adj1" fmla="val 50000"/>
+              <a:gd name="adj1" fmla="val 77397"/>
             </a:avLst>
           </a:prstGeom>
           <a:ln w="12700">
@@ -5346,7 +5346,7 @@
         <p:spPr>
           <a:xfrm>
             <a:off x="1067764" y="3751930"/>
-            <a:ext cx="682449" cy="343442"/>
+            <a:ext cx="722798" cy="616236"/>
           </a:xfrm>
           <a:prstGeom prst="rect">
             <a:avLst/>
@@ -5408,12 +5408,12 @@
         </p:nvCxnSpPr>
         <p:spPr>
           <a:xfrm rot="16200000" flipH="1">
-            <a:off x="903784" y="3246725"/>
-            <a:ext cx="639716" cy="370694"/>
+            <a:off x="913871" y="3236638"/>
+            <a:ext cx="639716" cy="390868"/>
           </a:xfrm>
           <a:prstGeom prst="bentConnector3">
             <a:avLst>
-              <a:gd name="adj1" fmla="val 50000"/>
+              <a:gd name="adj1" fmla="val 77397"/>
             </a:avLst>
           </a:prstGeom>
           <a:ln w="12700">
@@ -5445,8 +5445,8 @@
         </p:nvSpPr>
         <p:spPr>
           <a:xfrm>
-            <a:off x="2763496" y="3751930"/>
-            <a:ext cx="452310" cy="472312"/>
+            <a:off x="2763496" y="3751929"/>
+            <a:ext cx="438483" cy="616237"/>
           </a:xfrm>
           <a:prstGeom prst="rect">
             <a:avLst/>
@@ -5505,8 +5505,8 @@
         </p:nvSpPr>
         <p:spPr>
           <a:xfrm>
-            <a:off x="3251486" y="3751930"/>
-            <a:ext cx="668377" cy="472312"/>
+            <a:off x="3251486" y="3751929"/>
+            <a:ext cx="710200" cy="616237"/>
           </a:xfrm>
           <a:prstGeom prst="rect">
             <a:avLst/>
@@ -5547,15 +5547,7 @@
                   <a:schemeClr val="tx1"/>
                 </a:solidFill>
               </a:rPr>
-              <a:t>opuestos </a:t>
-            </a:r>
-            <a:r>
-              <a:rPr lang="es-ES" sz="900" smtClean="0">
-                <a:solidFill>
-                  <a:schemeClr val="tx1"/>
-                </a:solidFill>
-              </a:rPr>
-              <a:t>a </a:t>
+              <a:t>opuestos a </a:t>
             </a:r>
             <a:r>
               <a:rPr lang="es-ES" sz="900" dirty="0" smtClean="0">
@@ -5584,12 +5576,12 @@
         </p:nvCxnSpPr>
         <p:spPr>
           <a:xfrm rot="16200000" flipH="1">
-            <a:off x="2967805" y="3134060"/>
-            <a:ext cx="639716" cy="596023"/>
+            <a:off x="2978262" y="3123604"/>
+            <a:ext cx="639715" cy="616934"/>
           </a:xfrm>
           <a:prstGeom prst="bentConnector3">
             <a:avLst>
-              <a:gd name="adj1" fmla="val 50000"/>
+              <a:gd name="adj1" fmla="val 78588"/>
             </a:avLst>
           </a:prstGeom>
           <a:ln w="12700">
@@ -5624,12 +5616,12 @@
         </p:nvCxnSpPr>
         <p:spPr>
           <a:xfrm rot="5400000">
-            <a:off x="2669794" y="3432072"/>
-            <a:ext cx="639716" cy="1"/>
+            <a:off x="2666338" y="3428614"/>
+            <a:ext cx="639715" cy="6914"/>
           </a:xfrm>
           <a:prstGeom prst="bentConnector3">
             <a:avLst>
-              <a:gd name="adj1" fmla="val 50000"/>
+              <a:gd name="adj1" fmla="val 97647"/>
             </a:avLst>
           </a:prstGeom>
           <a:ln w="12700">
@@ -5661,7 +5653,7 @@
         </p:nvSpPr>
         <p:spPr>
           <a:xfrm>
-            <a:off x="4230084" y="2196159"/>
+            <a:off x="4230084" y="2287599"/>
             <a:ext cx="1502537" cy="230832"/>
           </a:xfrm>
           <a:prstGeom prst="rect">
@@ -5692,8 +5684,8 @@
         </p:nvSpPr>
         <p:spPr>
           <a:xfrm>
-            <a:off x="4487407" y="1661089"/>
-            <a:ext cx="987891" cy="372029"/>
+            <a:off x="4488866" y="1633373"/>
+            <a:ext cx="987891" cy="438811"/>
           </a:xfrm>
           <a:prstGeom prst="rect">
             <a:avLst/>
@@ -5752,8 +5744,8 @@
         </p:nvCxnSpPr>
         <p:spPr>
           <a:xfrm rot="5400000" flipH="1" flipV="1">
-            <a:off x="4899833" y="2114639"/>
-            <a:ext cx="163041" cy="12700"/>
+            <a:off x="4874375" y="2179163"/>
+            <a:ext cx="215415" cy="1459"/>
           </a:xfrm>
           <a:prstGeom prst="bentConnector3">
             <a:avLst>
@@ -5792,12 +5784,12 @@
         </p:nvCxnSpPr>
         <p:spPr>
           <a:xfrm rot="5400000" flipH="1" flipV="1">
-            <a:off x="4821117" y="2587227"/>
-            <a:ext cx="320472" cy="12700"/>
+            <a:off x="4866837" y="2632947"/>
+            <a:ext cx="229032" cy="12700"/>
           </a:xfrm>
           <a:prstGeom prst="bentConnector3">
             <a:avLst>
-              <a:gd name="adj1" fmla="val 50000"/>
+              <a:gd name="adj1" fmla="val 94"/>
             </a:avLst>
           </a:prstGeom>
           <a:ln w="12700">
@@ -5829,7 +5821,7 @@
         </p:nvSpPr>
         <p:spPr>
           <a:xfrm>
-            <a:off x="6574324" y="3260871"/>
+            <a:off x="6520984" y="3260871"/>
             <a:ext cx="1468947" cy="230832"/>
           </a:xfrm>
           <a:prstGeom prst="rect">
@@ -5863,8 +5855,8 @@
         </p:nvCxnSpPr>
         <p:spPr>
           <a:xfrm rot="5400000" flipH="1" flipV="1">
-            <a:off x="7252436" y="1630127"/>
-            <a:ext cx="112724" cy="12700"/>
+            <a:off x="7188475" y="1560230"/>
+            <a:ext cx="132696" cy="1270"/>
           </a:xfrm>
           <a:prstGeom prst="bentConnector3">
             <a:avLst>
@@ -5900,8 +5892,8 @@
         </p:nvSpPr>
         <p:spPr>
           <a:xfrm>
-            <a:off x="6871963" y="3751930"/>
-            <a:ext cx="873669" cy="745130"/>
+            <a:off x="6818623" y="3751930"/>
+            <a:ext cx="873669" cy="624299"/>
           </a:xfrm>
           <a:prstGeom prst="rect">
             <a:avLst/>
@@ -5958,7 +5950,7 @@
         </p:nvCxnSpPr>
         <p:spPr>
           <a:xfrm rot="5400000">
-            <a:off x="7178685" y="3621816"/>
+            <a:off x="7125345" y="3621816"/>
             <a:ext cx="260227" cy="12700"/>
           </a:xfrm>
           <a:prstGeom prst="bentConnector3">
@@ -5995,7 +5987,7 @@
         </p:nvSpPr>
         <p:spPr>
           <a:xfrm>
-            <a:off x="6557529" y="1342933"/>
+            <a:off x="6504189" y="1263685"/>
             <a:ext cx="1502537" cy="230832"/>
           </a:xfrm>
           <a:prstGeom prst="rect">
@@ -6030,8 +6022,8 @@
         </p:nvSpPr>
         <p:spPr>
           <a:xfrm>
-            <a:off x="6814852" y="2747463"/>
-            <a:ext cx="987891" cy="372029"/>
+            <a:off x="6760242" y="2761092"/>
+            <a:ext cx="987891" cy="345212"/>
           </a:xfrm>
           <a:prstGeom prst="rect">
             <a:avLst/>
@@ -6092,9 +6084,9 @@
           <p:nvPr/>
         </p:nvCxnSpPr>
         <p:spPr>
-          <a:xfrm rot="5400000">
-            <a:off x="7238109" y="3190181"/>
-            <a:ext cx="141379" cy="12700"/>
+          <a:xfrm rot="16200000" flipH="1">
+            <a:off x="7177540" y="3182952"/>
+            <a:ext cx="154567" cy="1270"/>
           </a:xfrm>
           <a:prstGeom prst="bentConnector3">
             <a:avLst>
@@ -6130,7 +6122,7 @@
         </p:nvSpPr>
         <p:spPr>
           <a:xfrm>
-            <a:off x="6557529" y="2221559"/>
+            <a:off x="6504189" y="2290139"/>
             <a:ext cx="1502537" cy="230832"/>
           </a:xfrm>
           <a:prstGeom prst="rect">
@@ -6161,8 +6153,8 @@
         </p:nvSpPr>
         <p:spPr>
           <a:xfrm>
-            <a:off x="6814852" y="1686489"/>
-            <a:ext cx="987891" cy="372029"/>
+            <a:off x="6760242" y="1627213"/>
+            <a:ext cx="987891" cy="439780"/>
           </a:xfrm>
           <a:prstGeom prst="rect">
             <a:avLst/>
@@ -6220,9 +6212,9 @@
           <p:nvPr/>
         </p:nvCxnSpPr>
         <p:spPr>
-          <a:xfrm rot="5400000" flipH="1" flipV="1">
-            <a:off x="7227278" y="2140039"/>
-            <a:ext cx="163041" cy="12700"/>
+          <a:xfrm rot="16200000" flipV="1">
+            <a:off x="7143250" y="2177931"/>
+            <a:ext cx="223146" cy="1270"/>
           </a:xfrm>
           <a:prstGeom prst="bentConnector3">
             <a:avLst>
@@ -6261,8 +6253,8 @@
         </p:nvCxnSpPr>
         <p:spPr>
           <a:xfrm rot="5400000" flipH="1" flipV="1">
-            <a:off x="7161262" y="2599927"/>
-            <a:ext cx="295072" cy="12700"/>
+            <a:off x="7134763" y="2640397"/>
+            <a:ext cx="240121" cy="1270"/>
           </a:xfrm>
           <a:prstGeom prst="bentConnector3">
             <a:avLst>
@@ -6301,8 +6293,8 @@
         </p:nvCxnSpPr>
         <p:spPr>
           <a:xfrm rot="16200000" flipV="1">
-            <a:off x="6352065" y="386199"/>
-            <a:ext cx="501018" cy="1412449"/>
+            <a:off x="6365019" y="373245"/>
+            <a:ext cx="421770" cy="1359109"/>
           </a:xfrm>
           <a:prstGeom prst="bentConnector3">
             <a:avLst>
@@ -6338,8 +6330,8 @@
         </p:nvSpPr>
         <p:spPr>
           <a:xfrm>
-            <a:off x="7830754" y="3756048"/>
-            <a:ext cx="873669" cy="745130"/>
+            <a:off x="7769794" y="3756048"/>
+            <a:ext cx="1077468" cy="620181"/>
           </a:xfrm>
           <a:prstGeom prst="rect">
             <a:avLst/>
@@ -6393,8 +6385,8 @@
         </p:nvSpPr>
         <p:spPr>
           <a:xfrm>
-            <a:off x="5931732" y="3746903"/>
-            <a:ext cx="873669" cy="745130"/>
+            <a:off x="5792126" y="3746903"/>
+            <a:ext cx="952316" cy="629326"/>
           </a:xfrm>
           <a:prstGeom prst="rect">
             <a:avLst/>
@@ -6456,8 +6448,8 @@
         </p:nvCxnSpPr>
         <p:spPr>
           <a:xfrm rot="16200000" flipH="1">
-            <a:off x="7656021" y="3144479"/>
-            <a:ext cx="264345" cy="958791"/>
+            <a:off x="7649821" y="3097340"/>
+            <a:ext cx="264345" cy="1053070"/>
           </a:xfrm>
           <a:prstGeom prst="bentConnector3">
             <a:avLst>
@@ -6496,8 +6488,8 @@
         </p:nvCxnSpPr>
         <p:spPr>
           <a:xfrm rot="5400000">
-            <a:off x="6711083" y="3149188"/>
-            <a:ext cx="255200" cy="940231"/>
+            <a:off x="6634271" y="3125716"/>
+            <a:ext cx="255200" cy="987174"/>
           </a:xfrm>
           <a:prstGeom prst="bentConnector3">
             <a:avLst>
@@ -6533,8 +6525,8 @@
         </p:nvSpPr>
         <p:spPr>
           <a:xfrm>
-            <a:off x="9166109" y="5316958"/>
-            <a:ext cx="720000" cy="353519"/>
+            <a:off x="8957728" y="5395066"/>
+            <a:ext cx="772049" cy="362697"/>
           </a:xfrm>
           <a:prstGeom prst="rect">
             <a:avLst/>
@@ -6607,8 +6599,8 @@
         </p:nvSpPr>
         <p:spPr>
           <a:xfrm>
-            <a:off x="9967192" y="5326136"/>
-            <a:ext cx="720000" cy="353519"/>
+            <a:off x="9779284" y="5404244"/>
+            <a:ext cx="750196" cy="353519"/>
           </a:xfrm>
           <a:prstGeom prst="rect">
             <a:avLst/>
@@ -6684,12 +6676,12 @@
         </p:nvCxnSpPr>
         <p:spPr>
           <a:xfrm rot="5400000" flipH="1" flipV="1">
-            <a:off x="9398132" y="5180487"/>
-            <a:ext cx="264448" cy="8495"/>
+            <a:off x="9268679" y="5319992"/>
+            <a:ext cx="150148" cy="12700"/>
           </a:xfrm>
           <a:prstGeom prst="bentConnector3">
             <a:avLst>
-              <a:gd name="adj1" fmla="val 50000"/>
+              <a:gd name="adj1" fmla="val 2633"/>
             </a:avLst>
           </a:prstGeom>
           <a:ln w="12700">
@@ -6723,9 +6715,9 @@
           <p:nvPr/>
         </p:nvCxnSpPr>
         <p:spPr>
-          <a:xfrm rot="16200000" flipV="1">
-            <a:off x="10181469" y="5180413"/>
-            <a:ext cx="273626" cy="17820"/>
+          <a:xfrm rot="5400000" flipH="1" flipV="1">
+            <a:off x="10074719" y="5324581"/>
+            <a:ext cx="159326" cy="1"/>
           </a:xfrm>
           <a:prstGeom prst="bentConnector3">
             <a:avLst>
@@ -6761,8 +6753,8 @@
         </p:nvSpPr>
         <p:spPr>
           <a:xfrm>
-            <a:off x="269479" y="4278800"/>
-            <a:ext cx="720000" cy="353519"/>
+            <a:off x="312553" y="4900844"/>
+            <a:ext cx="676319" cy="353519"/>
           </a:xfrm>
           <a:prstGeom prst="rect">
             <a:avLst/>
@@ -6819,7 +6811,7 @@
         </p:nvSpPr>
         <p:spPr>
           <a:xfrm>
-            <a:off x="1070562" y="4287978"/>
+            <a:off x="1070562" y="4902402"/>
             <a:ext cx="720000" cy="353519"/>
           </a:xfrm>
           <a:prstGeom prst="rect">
@@ -6880,8 +6872,8 @@
         </p:nvCxnSpPr>
         <p:spPr>
           <a:xfrm rot="5400000" flipH="1" flipV="1">
-            <a:off x="549914" y="4174937"/>
-            <a:ext cx="183428" cy="24299"/>
+            <a:off x="385906" y="4632973"/>
+            <a:ext cx="532678" cy="3065"/>
           </a:xfrm>
           <a:prstGeom prst="bentConnector3">
             <a:avLst>
@@ -6920,8 +6912,8 @@
         </p:nvCxnSpPr>
         <p:spPr>
           <a:xfrm rot="16200000" flipV="1">
-            <a:off x="1323473" y="4180888"/>
-            <a:ext cx="192606" cy="21573"/>
+            <a:off x="1162745" y="4634584"/>
+            <a:ext cx="534236" cy="1399"/>
           </a:xfrm>
           <a:prstGeom prst="bentConnector3">
             <a:avLst>
@@ -6957,8 +6949,8 @@
         </p:nvSpPr>
         <p:spPr>
           <a:xfrm>
-            <a:off x="2033433" y="4376229"/>
-            <a:ext cx="619019" cy="353519"/>
+            <a:off x="2055355" y="4914453"/>
+            <a:ext cx="672267" cy="353519"/>
           </a:xfrm>
           <a:prstGeom prst="rect">
             <a:avLst/>
@@ -7015,8 +7007,8 @@
         </p:nvSpPr>
         <p:spPr>
           <a:xfrm>
-            <a:off x="2802483" y="4371289"/>
-            <a:ext cx="342564" cy="353519"/>
+            <a:off x="2765782" y="4909513"/>
+            <a:ext cx="436197" cy="353519"/>
           </a:xfrm>
           <a:prstGeom prst="rect">
             <a:avLst/>
@@ -7073,8 +7065,8 @@
         </p:nvSpPr>
         <p:spPr>
           <a:xfrm>
-            <a:off x="3193752" y="4368168"/>
-            <a:ext cx="782759" cy="353519"/>
+            <a:off x="3246406" y="4906392"/>
+            <a:ext cx="725025" cy="353519"/>
           </a:xfrm>
           <a:prstGeom prst="rect">
             <a:avLst/>
@@ -7134,8 +7126,8 @@
         </p:nvCxnSpPr>
         <p:spPr>
           <a:xfrm rot="5400000">
-            <a:off x="2292196" y="4274990"/>
-            <a:ext cx="151987" cy="50491"/>
+            <a:off x="2119319" y="4640337"/>
+            <a:ext cx="546287" cy="1945"/>
           </a:xfrm>
           <a:prstGeom prst="bentConnector3">
             <a:avLst>
@@ -7173,9 +7165,9 @@
           <p:nvPr/>
         </p:nvCxnSpPr>
         <p:spPr>
-          <a:xfrm rot="5400000">
-            <a:off x="2908185" y="4289822"/>
-            <a:ext cx="147047" cy="15886"/>
+          <a:xfrm rot="16200000" flipH="1">
+            <a:off x="2712636" y="4638267"/>
+            <a:ext cx="541347" cy="1143"/>
           </a:xfrm>
           <a:prstGeom prst="bentConnector3">
             <a:avLst>
@@ -7213,9 +7205,9 @@
           <p:nvPr/>
         </p:nvCxnSpPr>
         <p:spPr>
-          <a:xfrm rot="5400000">
-            <a:off x="3513441" y="4295934"/>
-            <a:ext cx="143926" cy="543"/>
+          <a:xfrm rot="16200000" flipH="1">
+            <a:off x="3338639" y="4636112"/>
+            <a:ext cx="538226" cy="2333"/>
           </a:xfrm>
           <a:prstGeom prst="bentConnector3">
             <a:avLst>
@@ -7246,20 +7238,13 @@
     </p:spTree>
     <p:extLst>
       <p:ext uri="{BB962C8B-B14F-4D97-AF65-F5344CB8AC3E}">
-        <p14:creationId xmlns:p14="http://schemas.microsoft.com/office/powerpoint/2010/main" xmlns="" val="1910700679"/>
+        <p14:creationId xmlns:p14="http://schemas.microsoft.com/office/powerpoint/2010/main" val="1910700679"/>
       </p:ext>
     </p:extLst>
   </p:cSld>
   <p:clrMapOvr>
     <a:masterClrMapping/>
   </p:clrMapOvr>
-  <p:timing>
-    <p:tnLst>
-      <p:par>
-        <p:cTn id="1" dur="indefinite" restart="never" nodeType="tmRoot"/>
-      </p:par>
-    </p:tnLst>
-  </p:timing>
 </p:sld>
 </file>
 
@@ -7518,7 +7503,7 @@
   <a:extraClrSchemeLst/>
   <a:extLst>
     <a:ext uri="{05A4C25C-085E-4340-85A3-A5531E510DB2}">
-      <thm15:themeFamily xmlns:thm15="http://schemas.microsoft.com/office/thememl/2012/main" xmlns="" name="Office Theme" id="{62F939B6-93AF-4DB8-9C6B-D6C7DFDC589F}" vid="{4A3C46E8-61CC-4603-A589-7422A47A8E4A}"/>
+      <thm15:themeFamily xmlns:thm15="http://schemas.microsoft.com/office/thememl/2012/main" name="Office Theme" id="{62F939B6-93AF-4DB8-9C6B-D6C7DFDC589F}" vid="{4A3C46E8-61CC-4603-A589-7422A47A8E4A}"/>
     </a:ext>
   </a:extLst>
 </a:theme>
